--- a/control.pptx
+++ b/control.pptx
@@ -104,6 +104,11 @@
       </a:defRPr>
     </a:lvl9pPr>
   </p:defaultTextStyle>
+  <p:extLst>
+    <p:ext uri="{EFAFB233-063F-42B5-8137-9DF3F51BA10A}">
+      <p15:sldGuideLst xmlns:p15="http://schemas.microsoft.com/office/powerpoint/2012/main"/>
+    </p:ext>
+  </p:extLst>
 </p:presentation>
 </file>
 
@@ -254,7 +259,7 @@
           <a:p>
             <a:fld id="{A7A839EC-5D13-8A49-9850-A3D14DE0AD28}" type="datetimeFigureOut">
               <a:rPr lang="en-US" smtClean="0"/>
-              <a:t>5/21/19</a:t>
+              <a:t>5/23/19</a:t>
             </a:fld>
             <a:endParaRPr lang="en-US"/>
           </a:p>
@@ -452,7 +457,7 @@
           <a:p>
             <a:fld id="{A7A839EC-5D13-8A49-9850-A3D14DE0AD28}" type="datetimeFigureOut">
               <a:rPr lang="en-US" smtClean="0"/>
-              <a:t>5/21/19</a:t>
+              <a:t>5/23/19</a:t>
             </a:fld>
             <a:endParaRPr lang="en-US"/>
           </a:p>
@@ -660,7 +665,7 @@
           <a:p>
             <a:fld id="{A7A839EC-5D13-8A49-9850-A3D14DE0AD28}" type="datetimeFigureOut">
               <a:rPr lang="en-US" smtClean="0"/>
-              <a:t>5/21/19</a:t>
+              <a:t>5/23/19</a:t>
             </a:fld>
             <a:endParaRPr lang="en-US"/>
           </a:p>
@@ -858,7 +863,7 @@
           <a:p>
             <a:fld id="{A7A839EC-5D13-8A49-9850-A3D14DE0AD28}" type="datetimeFigureOut">
               <a:rPr lang="en-US" smtClean="0"/>
-              <a:t>5/21/19</a:t>
+              <a:t>5/23/19</a:t>
             </a:fld>
             <a:endParaRPr lang="en-US"/>
           </a:p>
@@ -1133,7 +1138,7 @@
           <a:p>
             <a:fld id="{A7A839EC-5D13-8A49-9850-A3D14DE0AD28}" type="datetimeFigureOut">
               <a:rPr lang="en-US" smtClean="0"/>
-              <a:t>5/21/19</a:t>
+              <a:t>5/23/19</a:t>
             </a:fld>
             <a:endParaRPr lang="en-US"/>
           </a:p>
@@ -1398,7 +1403,7 @@
           <a:p>
             <a:fld id="{A7A839EC-5D13-8A49-9850-A3D14DE0AD28}" type="datetimeFigureOut">
               <a:rPr lang="en-US" smtClean="0"/>
-              <a:t>5/21/19</a:t>
+              <a:t>5/23/19</a:t>
             </a:fld>
             <a:endParaRPr lang="en-US"/>
           </a:p>
@@ -1810,7 +1815,7 @@
           <a:p>
             <a:fld id="{A7A839EC-5D13-8A49-9850-A3D14DE0AD28}" type="datetimeFigureOut">
               <a:rPr lang="en-US" smtClean="0"/>
-              <a:t>5/21/19</a:t>
+              <a:t>5/23/19</a:t>
             </a:fld>
             <a:endParaRPr lang="en-US"/>
           </a:p>
@@ -1951,7 +1956,7 @@
           <a:p>
             <a:fld id="{A7A839EC-5D13-8A49-9850-A3D14DE0AD28}" type="datetimeFigureOut">
               <a:rPr lang="en-US" smtClean="0"/>
-              <a:t>5/21/19</a:t>
+              <a:t>5/23/19</a:t>
             </a:fld>
             <a:endParaRPr lang="en-US"/>
           </a:p>
@@ -2064,7 +2069,7 @@
           <a:p>
             <a:fld id="{A7A839EC-5D13-8A49-9850-A3D14DE0AD28}" type="datetimeFigureOut">
               <a:rPr lang="en-US" smtClean="0"/>
-              <a:t>5/21/19</a:t>
+              <a:t>5/23/19</a:t>
             </a:fld>
             <a:endParaRPr lang="en-US"/>
           </a:p>
@@ -2375,7 +2380,7 @@
           <a:p>
             <a:fld id="{A7A839EC-5D13-8A49-9850-A3D14DE0AD28}" type="datetimeFigureOut">
               <a:rPr lang="en-US" smtClean="0"/>
-              <a:t>5/21/19</a:t>
+              <a:t>5/23/19</a:t>
             </a:fld>
             <a:endParaRPr lang="en-US"/>
           </a:p>
@@ -2663,7 +2668,7 @@
           <a:p>
             <a:fld id="{A7A839EC-5D13-8A49-9850-A3D14DE0AD28}" type="datetimeFigureOut">
               <a:rPr lang="en-US" smtClean="0"/>
-              <a:t>5/21/19</a:t>
+              <a:t>5/23/19</a:t>
             </a:fld>
             <a:endParaRPr lang="en-US"/>
           </a:p>
@@ -2934,7 +2939,7 @@
           <a:p>
             <a:fld id="{A7A839EC-5D13-8A49-9850-A3D14DE0AD28}" type="datetimeFigureOut">
               <a:rPr lang="en-US" smtClean="0"/>
-              <a:t>5/21/19</a:t>
+              <a:t>5/23/19</a:t>
             </a:fld>
             <a:endParaRPr lang="en-US"/>
           </a:p>
@@ -3544,6 +3549,624 @@
           </a:p>
         </p:txBody>
       </p:sp>
+      <p:grpSp>
+        <p:nvGrpSpPr>
+          <p:cNvPr id="2" name="Group 1">
+            <a:extLst>
+              <a:ext uri="{FF2B5EF4-FFF2-40B4-BE49-F238E27FC236}">
+                <a16:creationId xmlns:a16="http://schemas.microsoft.com/office/drawing/2014/main" id="{9FA902CB-7361-9B46-A7E0-C885D9DFA61F}"/>
+              </a:ext>
+            </a:extLst>
+          </p:cNvPr>
+          <p:cNvGrpSpPr/>
+          <p:nvPr/>
+        </p:nvGrpSpPr>
+        <p:grpSpPr>
+          <a:xfrm>
+            <a:off x="56620" y="1031726"/>
+            <a:ext cx="1799978" cy="552351"/>
+            <a:chOff x="628615" y="1223890"/>
+            <a:chExt cx="1799978" cy="1213532"/>
+          </a:xfrm>
+        </p:grpSpPr>
+        <p:sp>
+          <p:nvSpPr>
+            <p:cNvPr id="8" name="Terminator 7">
+              <a:extLst>
+                <a:ext uri="{FF2B5EF4-FFF2-40B4-BE49-F238E27FC236}">
+                  <a16:creationId xmlns:a16="http://schemas.microsoft.com/office/drawing/2014/main" id="{0B8E0CF2-EC24-3742-B791-64C239C202A4}"/>
+                </a:ext>
+              </a:extLst>
+            </p:cNvPr>
+            <p:cNvSpPr/>
+            <p:nvPr/>
+          </p:nvSpPr>
+          <p:spPr>
+            <a:xfrm>
+              <a:off x="628615" y="1223890"/>
+              <a:ext cx="1799978" cy="1213532"/>
+            </a:xfrm>
+            <a:prstGeom prst="flowChartTerminator">
+              <a:avLst/>
+            </a:prstGeom>
+            <a:solidFill>
+              <a:schemeClr val="bg2">
+                <a:lumMod val="75000"/>
+              </a:schemeClr>
+            </a:solidFill>
+            <a:ln>
+              <a:noFill/>
+            </a:ln>
+          </p:spPr>
+          <p:style>
+            <a:lnRef idx="2">
+              <a:schemeClr val="accent1">
+                <a:shade val="50000"/>
+              </a:schemeClr>
+            </a:lnRef>
+            <a:fillRef idx="1">
+              <a:schemeClr val="accent1"/>
+            </a:fillRef>
+            <a:effectRef idx="0">
+              <a:schemeClr val="accent1"/>
+            </a:effectRef>
+            <a:fontRef idx="minor">
+              <a:schemeClr val="lt1"/>
+            </a:fontRef>
+          </p:style>
+          <p:txBody>
+            <a:bodyPr rot="0" spcFirstLastPara="0" vertOverflow="overflow" horzOverflow="overflow" vert="horz" wrap="square" lIns="91440" tIns="45720" rIns="91440" bIns="45720" numCol="1" spcCol="0" rtlCol="0" fromWordArt="0" anchor="ctr" anchorCtr="0" forceAA="0" compatLnSpc="1">
+              <a:prstTxWarp prst="textNoShape">
+                <a:avLst/>
+              </a:prstTxWarp>
+              <a:noAutofit/>
+            </a:bodyPr>
+            <a:lstStyle/>
+            <a:p>
+              <a:pPr algn="ctr"/>
+              <a:endParaRPr lang="en-US"/>
+            </a:p>
+          </p:txBody>
+        </p:sp>
+        <p:sp>
+          <p:nvSpPr>
+            <p:cNvPr id="9" name="Rectangle 8">
+              <a:extLst>
+                <a:ext uri="{FF2B5EF4-FFF2-40B4-BE49-F238E27FC236}">
+                  <a16:creationId xmlns:a16="http://schemas.microsoft.com/office/drawing/2014/main" id="{83F02C0D-82EE-1844-B63F-A938CF5625E9}"/>
+                </a:ext>
+              </a:extLst>
+            </p:cNvPr>
+            <p:cNvSpPr/>
+            <p:nvPr/>
+          </p:nvSpPr>
+          <p:spPr>
+            <a:xfrm>
+              <a:off x="865169" y="1357532"/>
+              <a:ext cx="1326869" cy="982582"/>
+            </a:xfrm>
+            <a:prstGeom prst="rect">
+              <a:avLst/>
+            </a:prstGeom>
+            <a:solidFill>
+              <a:schemeClr val="bg2">
+                <a:lumMod val="50000"/>
+              </a:schemeClr>
+            </a:solidFill>
+            <a:ln>
+              <a:noFill/>
+            </a:ln>
+          </p:spPr>
+          <p:style>
+            <a:lnRef idx="2">
+              <a:schemeClr val="accent1">
+                <a:shade val="50000"/>
+              </a:schemeClr>
+            </a:lnRef>
+            <a:fillRef idx="1">
+              <a:schemeClr val="accent1"/>
+            </a:fillRef>
+            <a:effectRef idx="0">
+              <a:schemeClr val="accent1"/>
+            </a:effectRef>
+            <a:fontRef idx="minor">
+              <a:schemeClr val="lt1"/>
+            </a:fontRef>
+          </p:style>
+          <p:txBody>
+            <a:bodyPr rot="0" spcFirstLastPara="0" vertOverflow="overflow" horzOverflow="overflow" vert="horz" wrap="square" lIns="91440" tIns="45720" rIns="91440" bIns="45720" numCol="1" spcCol="0" rtlCol="0" fromWordArt="0" anchor="ctr" anchorCtr="0" forceAA="0" compatLnSpc="1">
+              <a:prstTxWarp prst="textNoShape">
+                <a:avLst/>
+              </a:prstTxWarp>
+              <a:noAutofit/>
+            </a:bodyPr>
+            <a:lstStyle/>
+            <a:p>
+              <a:pPr algn="ctr"/>
+              <a:endParaRPr lang="en-US"/>
+            </a:p>
+          </p:txBody>
+        </p:sp>
+      </p:grpSp>
+      <p:sp>
+        <p:nvSpPr>
+          <p:cNvPr id="12" name="Terminator 11">
+            <a:extLst>
+              <a:ext uri="{FF2B5EF4-FFF2-40B4-BE49-F238E27FC236}">
+                <a16:creationId xmlns:a16="http://schemas.microsoft.com/office/drawing/2014/main" id="{A46B579B-E33E-CE49-A3D7-01D2630E9E45}"/>
+              </a:ext>
+            </a:extLst>
+          </p:cNvPr>
+          <p:cNvSpPr/>
+          <p:nvPr/>
+        </p:nvSpPr>
+        <p:spPr>
+          <a:xfrm>
+            <a:off x="56620" y="1681383"/>
+            <a:ext cx="1799978" cy="552351"/>
+          </a:xfrm>
+          <a:prstGeom prst="flowChartTerminator">
+            <a:avLst/>
+          </a:prstGeom>
+          <a:solidFill>
+            <a:schemeClr val="bg2">
+              <a:lumMod val="75000"/>
+            </a:schemeClr>
+          </a:solidFill>
+          <a:ln>
+            <a:noFill/>
+          </a:ln>
+        </p:spPr>
+        <p:style>
+          <a:lnRef idx="2">
+            <a:schemeClr val="accent1">
+              <a:shade val="50000"/>
+            </a:schemeClr>
+          </a:lnRef>
+          <a:fillRef idx="1">
+            <a:schemeClr val="accent1"/>
+          </a:fillRef>
+          <a:effectRef idx="0">
+            <a:schemeClr val="accent1"/>
+          </a:effectRef>
+          <a:fontRef idx="minor">
+            <a:schemeClr val="lt1"/>
+          </a:fontRef>
+        </p:style>
+        <p:txBody>
+          <a:bodyPr rot="0" spcFirstLastPara="0" vertOverflow="overflow" horzOverflow="overflow" vert="horz" wrap="square" lIns="91440" tIns="45720" rIns="91440" bIns="45720" numCol="1" spcCol="0" rtlCol="0" fromWordArt="0" anchor="ctr" anchorCtr="0" forceAA="0" compatLnSpc="1">
+            <a:prstTxWarp prst="textNoShape">
+              <a:avLst/>
+            </a:prstTxWarp>
+            <a:noAutofit/>
+          </a:bodyPr>
+          <a:lstStyle/>
+          <a:p>
+            <a:pPr algn="ctr"/>
+            <a:endParaRPr lang="en-US"/>
+          </a:p>
+        </p:txBody>
+      </p:sp>
+      <p:sp>
+        <p:nvSpPr>
+          <p:cNvPr id="13" name="Rectangle 12">
+            <a:extLst>
+              <a:ext uri="{FF2B5EF4-FFF2-40B4-BE49-F238E27FC236}">
+                <a16:creationId xmlns:a16="http://schemas.microsoft.com/office/drawing/2014/main" id="{70614569-766E-8A4B-BB86-B7AC4DA27BD3}"/>
+              </a:ext>
+            </a:extLst>
+          </p:cNvPr>
+          <p:cNvSpPr/>
+          <p:nvPr/>
+        </p:nvSpPr>
+        <p:spPr>
+          <a:xfrm>
+            <a:off x="293174" y="1742211"/>
+            <a:ext cx="1326869" cy="447232"/>
+          </a:xfrm>
+          <a:prstGeom prst="rect">
+            <a:avLst/>
+          </a:prstGeom>
+          <a:solidFill>
+            <a:schemeClr val="bg2">
+              <a:lumMod val="50000"/>
+            </a:schemeClr>
+          </a:solidFill>
+          <a:ln>
+            <a:noFill/>
+          </a:ln>
+        </p:spPr>
+        <p:style>
+          <a:lnRef idx="2">
+            <a:schemeClr val="accent1">
+              <a:shade val="50000"/>
+            </a:schemeClr>
+          </a:lnRef>
+          <a:fillRef idx="1">
+            <a:schemeClr val="accent1"/>
+          </a:fillRef>
+          <a:effectRef idx="0">
+            <a:schemeClr val="accent1"/>
+          </a:effectRef>
+          <a:fontRef idx="minor">
+            <a:schemeClr val="lt1"/>
+          </a:fontRef>
+        </p:style>
+        <p:txBody>
+          <a:bodyPr rot="0" spcFirstLastPara="0" vertOverflow="overflow" horzOverflow="overflow" vert="horz" wrap="square" lIns="91440" tIns="45720" rIns="91440" bIns="45720" numCol="1" spcCol="0" rtlCol="0" fromWordArt="0" anchor="ctr" anchorCtr="0" forceAA="0" compatLnSpc="1">
+            <a:prstTxWarp prst="textNoShape">
+              <a:avLst/>
+            </a:prstTxWarp>
+            <a:noAutofit/>
+          </a:bodyPr>
+          <a:lstStyle/>
+          <a:p>
+            <a:pPr algn="ctr"/>
+            <a:endParaRPr lang="en-US" dirty="0"/>
+          </a:p>
+        </p:txBody>
+      </p:sp>
+      <p:grpSp>
+        <p:nvGrpSpPr>
+          <p:cNvPr id="18" name="Group 17">
+            <a:extLst>
+              <a:ext uri="{FF2B5EF4-FFF2-40B4-BE49-F238E27FC236}">
+                <a16:creationId xmlns:a16="http://schemas.microsoft.com/office/drawing/2014/main" id="{9E4CF70F-A44F-D945-8E7C-B67E22224764}"/>
+              </a:ext>
+            </a:extLst>
+          </p:cNvPr>
+          <p:cNvGrpSpPr/>
+          <p:nvPr/>
+        </p:nvGrpSpPr>
+        <p:grpSpPr>
+          <a:xfrm>
+            <a:off x="134882" y="2511281"/>
+            <a:ext cx="1643451" cy="552351"/>
+            <a:chOff x="134882" y="2511281"/>
+            <a:chExt cx="1643451" cy="552351"/>
+          </a:xfrm>
+        </p:grpSpPr>
+        <p:sp>
+          <p:nvSpPr>
+            <p:cNvPr id="3" name="Rounded Rectangle 2">
+              <a:extLst>
+                <a:ext uri="{FF2B5EF4-FFF2-40B4-BE49-F238E27FC236}">
+                  <a16:creationId xmlns:a16="http://schemas.microsoft.com/office/drawing/2014/main" id="{B4E5CAA2-4EFA-024F-80DD-BD9990B78841}"/>
+                </a:ext>
+              </a:extLst>
+            </p:cNvPr>
+            <p:cNvSpPr/>
+            <p:nvPr/>
+          </p:nvSpPr>
+          <p:spPr>
+            <a:xfrm>
+              <a:off x="134882" y="2511281"/>
+              <a:ext cx="1643451" cy="552351"/>
+            </a:xfrm>
+            <a:prstGeom prst="roundRect">
+              <a:avLst>
+                <a:gd name="adj" fmla="val 26854"/>
+              </a:avLst>
+            </a:prstGeom>
+            <a:solidFill>
+              <a:schemeClr val="bg2">
+                <a:lumMod val="75000"/>
+                <a:alpha val="75000"/>
+              </a:schemeClr>
+            </a:solidFill>
+            <a:ln>
+              <a:noFill/>
+            </a:ln>
+          </p:spPr>
+          <p:style>
+            <a:lnRef idx="2">
+              <a:schemeClr val="accent1">
+                <a:shade val="50000"/>
+              </a:schemeClr>
+            </a:lnRef>
+            <a:fillRef idx="1">
+              <a:schemeClr val="accent1"/>
+            </a:fillRef>
+            <a:effectRef idx="0">
+              <a:schemeClr val="accent1"/>
+            </a:effectRef>
+            <a:fontRef idx="minor">
+              <a:schemeClr val="lt1"/>
+            </a:fontRef>
+          </p:style>
+          <p:txBody>
+            <a:bodyPr rot="0" spcFirstLastPara="0" vertOverflow="overflow" horzOverflow="overflow" vert="horz" wrap="square" lIns="91440" tIns="45720" rIns="91440" bIns="45720" numCol="1" spcCol="0" rtlCol="0" fromWordArt="0" anchor="ctr" anchorCtr="0" forceAA="0" compatLnSpc="1">
+              <a:prstTxWarp prst="textNoShape">
+                <a:avLst/>
+              </a:prstTxWarp>
+              <a:noAutofit/>
+            </a:bodyPr>
+            <a:lstStyle/>
+            <a:p>
+              <a:pPr algn="ctr"/>
+              <a:endParaRPr lang="en-US"/>
+            </a:p>
+          </p:txBody>
+        </p:sp>
+        <p:sp>
+          <p:nvSpPr>
+            <p:cNvPr id="14" name="Rectangle 13">
+              <a:extLst>
+                <a:ext uri="{FF2B5EF4-FFF2-40B4-BE49-F238E27FC236}">
+                  <a16:creationId xmlns:a16="http://schemas.microsoft.com/office/drawing/2014/main" id="{1E103613-E141-464E-9602-B3C8955D22A7}"/>
+                </a:ext>
+              </a:extLst>
+            </p:cNvPr>
+            <p:cNvSpPr/>
+            <p:nvPr/>
+          </p:nvSpPr>
+          <p:spPr>
+            <a:xfrm>
+              <a:off x="293174" y="2563840"/>
+              <a:ext cx="1326869" cy="447232"/>
+            </a:xfrm>
+            <a:prstGeom prst="rect">
+              <a:avLst/>
+            </a:prstGeom>
+            <a:solidFill>
+              <a:schemeClr val="bg2">
+                <a:lumMod val="50000"/>
+                <a:alpha val="80000"/>
+              </a:schemeClr>
+            </a:solidFill>
+            <a:ln>
+              <a:noFill/>
+            </a:ln>
+          </p:spPr>
+          <p:style>
+            <a:lnRef idx="2">
+              <a:schemeClr val="accent1">
+                <a:shade val="50000"/>
+              </a:schemeClr>
+            </a:lnRef>
+            <a:fillRef idx="1">
+              <a:schemeClr val="accent1"/>
+            </a:fillRef>
+            <a:effectRef idx="0">
+              <a:schemeClr val="accent1"/>
+            </a:effectRef>
+            <a:fontRef idx="minor">
+              <a:schemeClr val="lt1"/>
+            </a:fontRef>
+          </p:style>
+          <p:txBody>
+            <a:bodyPr rot="0" spcFirstLastPara="0" vertOverflow="overflow" horzOverflow="overflow" vert="horz" wrap="square" lIns="91440" tIns="45720" rIns="91440" bIns="45720" numCol="1" spcCol="0" rtlCol="0" fromWordArt="0" anchor="ctr" anchorCtr="0" forceAA="0" compatLnSpc="1">
+              <a:prstTxWarp prst="textNoShape">
+                <a:avLst/>
+              </a:prstTxWarp>
+              <a:noAutofit/>
+            </a:bodyPr>
+            <a:lstStyle/>
+            <a:p>
+              <a:pPr algn="ctr"/>
+              <a:endParaRPr lang="en-US" dirty="0"/>
+            </a:p>
+          </p:txBody>
+        </p:sp>
+      </p:grpSp>
+      <p:grpSp>
+        <p:nvGrpSpPr>
+          <p:cNvPr id="4" name="Group 3">
+            <a:extLst>
+              <a:ext uri="{FF2B5EF4-FFF2-40B4-BE49-F238E27FC236}">
+                <a16:creationId xmlns:a16="http://schemas.microsoft.com/office/drawing/2014/main" id="{650D2EDA-0C06-654C-966F-EEFFC5D65F70}"/>
+              </a:ext>
+            </a:extLst>
+          </p:cNvPr>
+          <p:cNvGrpSpPr/>
+          <p:nvPr/>
+        </p:nvGrpSpPr>
+        <p:grpSpPr>
+          <a:xfrm>
+            <a:off x="219290" y="3296434"/>
+            <a:ext cx="1715018" cy="552351"/>
+            <a:chOff x="219290" y="3296434"/>
+            <a:chExt cx="1498973" cy="552351"/>
+          </a:xfrm>
+        </p:grpSpPr>
+        <p:sp>
+          <p:nvSpPr>
+            <p:cNvPr id="15" name="Rounded Rectangle 14">
+              <a:extLst>
+                <a:ext uri="{FF2B5EF4-FFF2-40B4-BE49-F238E27FC236}">
+                  <a16:creationId xmlns:a16="http://schemas.microsoft.com/office/drawing/2014/main" id="{C08C0F70-907E-8B46-9A38-747AF681D274}"/>
+                </a:ext>
+              </a:extLst>
+            </p:cNvPr>
+            <p:cNvSpPr/>
+            <p:nvPr/>
+          </p:nvSpPr>
+          <p:spPr>
+            <a:xfrm>
+              <a:off x="219290" y="3296434"/>
+              <a:ext cx="1498973" cy="552351"/>
+            </a:xfrm>
+            <a:prstGeom prst="roundRect">
+              <a:avLst>
+                <a:gd name="adj" fmla="val 26854"/>
+              </a:avLst>
+            </a:prstGeom>
+            <a:solidFill>
+              <a:schemeClr val="bg2">
+                <a:lumMod val="75000"/>
+                <a:alpha val="70000"/>
+              </a:schemeClr>
+            </a:solidFill>
+            <a:ln>
+              <a:noFill/>
+            </a:ln>
+            <a:effectLst>
+              <a:softEdge rad="12700"/>
+            </a:effectLst>
+          </p:spPr>
+          <p:style>
+            <a:lnRef idx="2">
+              <a:schemeClr val="accent1">
+                <a:shade val="50000"/>
+              </a:schemeClr>
+            </a:lnRef>
+            <a:fillRef idx="1">
+              <a:schemeClr val="accent1"/>
+            </a:fillRef>
+            <a:effectRef idx="0">
+              <a:schemeClr val="accent1"/>
+            </a:effectRef>
+            <a:fontRef idx="minor">
+              <a:schemeClr val="lt1"/>
+            </a:fontRef>
+          </p:style>
+          <p:txBody>
+            <a:bodyPr rot="0" spcFirstLastPara="0" vertOverflow="overflow" horzOverflow="overflow" vert="horz" wrap="square" lIns="91440" tIns="45720" rIns="91440" bIns="45720" numCol="1" spcCol="0" rtlCol="0" fromWordArt="0" anchor="ctr" anchorCtr="0" forceAA="0" compatLnSpc="1">
+              <a:prstTxWarp prst="textNoShape">
+                <a:avLst/>
+              </a:prstTxWarp>
+              <a:noAutofit/>
+            </a:bodyPr>
+            <a:lstStyle/>
+            <a:p>
+              <a:pPr algn="ctr"/>
+              <a:endParaRPr lang="en-US"/>
+            </a:p>
+          </p:txBody>
+        </p:sp>
+        <p:sp>
+          <p:nvSpPr>
+            <p:cNvPr id="17" name="Rounded Rectangle 16">
+              <a:extLst>
+                <a:ext uri="{FF2B5EF4-FFF2-40B4-BE49-F238E27FC236}">
+                  <a16:creationId xmlns:a16="http://schemas.microsoft.com/office/drawing/2014/main" id="{DE79F344-44DB-084D-B352-9A4933EA3D6E}"/>
+                </a:ext>
+              </a:extLst>
+            </p:cNvPr>
+            <p:cNvSpPr/>
+            <p:nvPr/>
+          </p:nvSpPr>
+          <p:spPr>
+            <a:xfrm>
+              <a:off x="283867" y="3372428"/>
+              <a:ext cx="1366476" cy="409792"/>
+            </a:xfrm>
+            <a:prstGeom prst="roundRect">
+              <a:avLst>
+                <a:gd name="adj" fmla="val 26854"/>
+              </a:avLst>
+            </a:prstGeom>
+            <a:solidFill>
+              <a:schemeClr val="bg2">
+                <a:lumMod val="50000"/>
+                <a:alpha val="80000"/>
+              </a:schemeClr>
+            </a:solidFill>
+            <a:ln>
+              <a:noFill/>
+            </a:ln>
+          </p:spPr>
+          <p:style>
+            <a:lnRef idx="2">
+              <a:schemeClr val="accent1">
+                <a:shade val="50000"/>
+              </a:schemeClr>
+            </a:lnRef>
+            <a:fillRef idx="1">
+              <a:schemeClr val="accent1"/>
+            </a:fillRef>
+            <a:effectRef idx="0">
+              <a:schemeClr val="accent1"/>
+            </a:effectRef>
+            <a:fontRef idx="minor">
+              <a:schemeClr val="lt1"/>
+            </a:fontRef>
+          </p:style>
+          <p:txBody>
+            <a:bodyPr rot="0" spcFirstLastPara="0" vertOverflow="overflow" horzOverflow="overflow" vert="horz" wrap="square" lIns="91440" tIns="45720" rIns="91440" bIns="45720" numCol="1" spcCol="0" rtlCol="0" fromWordArt="0" anchor="ctr" anchorCtr="0" forceAA="0" compatLnSpc="1">
+              <a:prstTxWarp prst="textNoShape">
+                <a:avLst/>
+              </a:prstTxWarp>
+              <a:noAutofit/>
+            </a:bodyPr>
+            <a:lstStyle/>
+            <a:p>
+              <a:pPr algn="ctr"/>
+              <a:endParaRPr lang="en-US" dirty="0"/>
+            </a:p>
+          </p:txBody>
+        </p:sp>
+      </p:grpSp>
+      <p:sp>
+        <p:nvSpPr>
+          <p:cNvPr id="19" name="Rectangle 18">
+            <a:extLst>
+              <a:ext uri="{FF2B5EF4-FFF2-40B4-BE49-F238E27FC236}">
+                <a16:creationId xmlns:a16="http://schemas.microsoft.com/office/drawing/2014/main" id="{B013982B-0A74-BF48-9633-C8F7A9BCAD1A}"/>
+              </a:ext>
+            </a:extLst>
+          </p:cNvPr>
+          <p:cNvSpPr/>
+          <p:nvPr/>
+        </p:nvSpPr>
+        <p:spPr>
+          <a:xfrm>
+            <a:off x="464234" y="618683"/>
+            <a:ext cx="2539218" cy="2314431"/>
+          </a:xfrm>
+          <a:prstGeom prst="rect">
+            <a:avLst/>
+          </a:prstGeom>
+          <a:gradFill>
+            <a:gsLst>
+              <a:gs pos="0">
+                <a:schemeClr val="accent1">
+                  <a:lumMod val="5000"/>
+                  <a:lumOff val="95000"/>
+                </a:schemeClr>
+              </a:gs>
+              <a:gs pos="74000">
+                <a:schemeClr val="bg1">
+                  <a:lumMod val="85000"/>
+                </a:schemeClr>
+              </a:gs>
+              <a:gs pos="83000">
+                <a:schemeClr val="bg2">
+                  <a:lumMod val="75000"/>
+                </a:schemeClr>
+              </a:gs>
+              <a:gs pos="100000">
+                <a:schemeClr val="bg2">
+                  <a:lumMod val="25000"/>
+                </a:schemeClr>
+              </a:gs>
+            </a:gsLst>
+            <a:lin ang="5400000" scaled="1"/>
+          </a:gradFill>
+        </p:spPr>
+        <p:style>
+          <a:lnRef idx="3">
+            <a:schemeClr val="lt1"/>
+          </a:lnRef>
+          <a:fillRef idx="1">
+            <a:schemeClr val="accent1"/>
+          </a:fillRef>
+          <a:effectRef idx="1">
+            <a:schemeClr val="accent1"/>
+          </a:effectRef>
+          <a:fontRef idx="minor">
+            <a:schemeClr val="lt1"/>
+          </a:fontRef>
+        </p:style>
+        <p:txBody>
+          <a:bodyPr rtlCol="0" anchor="ctr"/>
+          <a:lstStyle/>
+          <a:p>
+            <a:pPr algn="ctr"/>
+            <a:endParaRPr lang="en-US"/>
+          </a:p>
+        </p:txBody>
+      </p:sp>
     </p:spTree>
     <p:extLst>
       <p:ext uri="{BB962C8B-B14F-4D97-AF65-F5344CB8AC3E}">
